--- a/Jenkins test checker.pptx
+++ b/Jenkins test checker.pptx
@@ -11,6 +11,7 @@
     <p:sldId id="258" r:id="rId5"/>
     <p:sldId id="261" r:id="rId6"/>
     <p:sldId id="259" r:id="rId7"/>
+    <p:sldId id="262" r:id="rId8"/>
   </p:sldIdLst>
   <p:sldSz cx="12192000" cy="6858000"/>
   <p:notesSz cx="6858000" cy="9144000"/>
@@ -109,6 +110,11 @@
       </a:defRPr>
     </a:lvl9pPr>
   </p:defaultTextStyle>
+  <p:extLst>
+    <p:ext uri="{EFAFB233-063F-42B5-8137-9DF3F51BA10A}">
+      <p15:sldGuideLst xmlns:p15="http://schemas.microsoft.com/office/powerpoint/2012/main"/>
+    </p:ext>
+  </p:extLst>
 </p:presentation>
 </file>
 
@@ -448,7 +454,7 @@
             <a:fld id="{5923F103-BC34-4FE4-A40E-EDDEECFDA5D0}" type="datetimeFigureOut">
               <a:rPr lang="en-US" dirty="0"/>
               <a:pPr/>
-              <a:t>3/29/2018</a:t>
+              <a:t>4/25/2018</a:t>
             </a:fld>
             <a:endParaRPr lang="en-US" dirty="0"/>
           </a:p>
@@ -1536,7 +1542,7 @@
           <a:p>
             <a:fld id="{923A1CC3-2375-41D4-9E03-427CAF2A4C1A}" type="datetimeFigureOut">
               <a:rPr lang="en-US" dirty="0"/>
-              <a:t>3/29/2018</a:t>
+              <a:t>4/25/2018</a:t>
             </a:fld>
             <a:endParaRPr lang="en-US" dirty="0"/>
           </a:p>
@@ -2516,7 +2522,7 @@
           <a:p>
             <a:fld id="{AFF16868-8199-4C2C-A5B1-63AEE139F88E}" type="datetimeFigureOut">
               <a:rPr lang="en-US" dirty="0"/>
-              <a:t>3/29/2018</a:t>
+              <a:t>4/25/2018</a:t>
             </a:fld>
             <a:endParaRPr lang="en-US" dirty="0"/>
           </a:p>
@@ -3650,7 +3656,7 @@
           <a:p>
             <a:fld id="{AAD9FF7F-6988-44CC-821B-644E70CD2F73}" type="datetimeFigureOut">
               <a:rPr lang="en-US" dirty="0"/>
-              <a:t>3/29/2018</a:t>
+              <a:t>4/25/2018</a:t>
             </a:fld>
             <a:endParaRPr lang="en-US" dirty="0"/>
           </a:p>
@@ -4683,7 +4689,7 @@
           <a:p>
             <a:fld id="{5C12C299-16B2-4475-990D-751901EACC14}" type="datetimeFigureOut">
               <a:rPr lang="en-US" dirty="0"/>
-              <a:t>3/29/2018</a:t>
+              <a:t>4/25/2018</a:t>
             </a:fld>
             <a:endParaRPr lang="en-US" dirty="0"/>
           </a:p>
@@ -5343,7 +5349,7 @@
           <a:p>
             <a:fld id="{9FE86839-B9D8-4651-8783-F325ECE74E65}" type="datetimeFigureOut">
               <a:rPr lang="en-US" dirty="0"/>
-              <a:t>3/29/2018</a:t>
+              <a:t>4/25/2018</a:t>
             </a:fld>
             <a:endParaRPr lang="en-US" dirty="0"/>
           </a:p>
@@ -6204,7 +6210,7 @@
           <a:p>
             <a:fld id="{FD484F64-32F6-45C5-931F-ADC1662401D0}" type="datetimeFigureOut">
               <a:rPr lang="en-US" dirty="0"/>
-              <a:t>3/29/2018</a:t>
+              <a:t>4/25/2018</a:t>
             </a:fld>
             <a:endParaRPr lang="en-US" dirty="0"/>
           </a:p>
@@ -6394,7 +6400,7 @@
           <a:p>
             <a:fld id="{53086D93-FCAC-47E0-A2EE-787E62CA814C}" type="datetimeFigureOut">
               <a:rPr lang="en-US" dirty="0"/>
-              <a:t>3/29/2018</a:t>
+              <a:t>4/25/2018</a:t>
             </a:fld>
             <a:endParaRPr lang="en-US" dirty="0"/>
           </a:p>
@@ -7366,7 +7372,7 @@
           <a:p>
             <a:fld id="{CDA879A6-0FD0-4734-A311-86BFCA472E6E}" type="datetimeFigureOut">
               <a:rPr lang="en-US" dirty="0"/>
-              <a:t>3/29/2018</a:t>
+              <a:t>4/25/2018</a:t>
             </a:fld>
             <a:endParaRPr lang="en-US" dirty="0"/>
           </a:p>
@@ -7577,7 +7583,7 @@
           <a:p>
             <a:fld id="{19C9CA7B-DFD4-44B5-8C60-D14B8CD1FB59}" type="datetimeFigureOut">
               <a:rPr lang="en-US" dirty="0"/>
-              <a:t>3/29/2018</a:t>
+              <a:t>4/25/2018</a:t>
             </a:fld>
             <a:endParaRPr lang="en-US" dirty="0"/>
           </a:p>
@@ -8611,7 +8617,7 @@
           <a:p>
             <a:fld id="{F34E6425-0181-43F2-84FC-787E803FD2F8}" type="datetimeFigureOut">
               <a:rPr lang="en-US" dirty="0"/>
-              <a:t>3/29/2018</a:t>
+              <a:t>4/25/2018</a:t>
             </a:fld>
             <a:endParaRPr lang="en-US" dirty="0"/>
           </a:p>
@@ -8883,7 +8889,7 @@
           <a:p>
             <a:fld id="{3BDB8791-F1B0-41E7-B7FD-A781E65C4266}" type="datetimeFigureOut">
               <a:rPr lang="en-US" dirty="0"/>
-              <a:t>3/29/2018</a:t>
+              <a:t>4/25/2018</a:t>
             </a:fld>
             <a:endParaRPr lang="en-US" dirty="0"/>
           </a:p>
@@ -9293,7 +9299,7 @@
           <a:p>
             <a:fld id="{5FDD63B2-E120-4ED8-B27B-C685F510A5FE}" type="datetimeFigureOut">
               <a:rPr lang="en-US" dirty="0"/>
-              <a:t>3/29/2018</a:t>
+              <a:t>4/25/2018</a:t>
             </a:fld>
             <a:endParaRPr lang="en-US" dirty="0"/>
           </a:p>
@@ -9420,7 +9426,7 @@
           <a:p>
             <a:fld id="{7AA18ACC-A947-437B-A130-35BD54FDF1E9}" type="datetimeFigureOut">
               <a:rPr lang="en-US" dirty="0"/>
-              <a:t>3/29/2018</a:t>
+              <a:t>4/25/2018</a:t>
             </a:fld>
             <a:endParaRPr lang="en-US" dirty="0"/>
           </a:p>
@@ -9515,7 +9521,7 @@
           <a:p>
             <a:fld id="{7C8D7E02-BCB8-4D50-A234-369438C08659}" type="datetimeFigureOut">
               <a:rPr lang="en-US" dirty="0"/>
-              <a:t>3/29/2018</a:t>
+              <a:t>4/25/2018</a:t>
             </a:fld>
             <a:endParaRPr lang="en-US" dirty="0"/>
           </a:p>
@@ -10596,7 +10602,7 @@
           <a:p>
             <a:fld id="{76E86A4C-8E40-4F87-A4F0-01A0687C5742}" type="datetimeFigureOut">
               <a:rPr lang="en-US" dirty="0"/>
-              <a:t>3/29/2018</a:t>
+              <a:t>4/25/2018</a:t>
             </a:fld>
             <a:endParaRPr lang="en-US" dirty="0"/>
           </a:p>
@@ -11704,7 +11710,7 @@
           <a:p>
             <a:fld id="{35E72C73-2D91-4E12-BA25-F0AA0C03599B}" type="datetimeFigureOut">
               <a:rPr lang="en-US" dirty="0"/>
-              <a:t>3/29/2018</a:t>
+              <a:t>4/25/2018</a:t>
             </a:fld>
             <a:endParaRPr lang="en-US" dirty="0"/>
           </a:p>
@@ -12701,7 +12707,7 @@
           <a:p>
             <a:fld id="{2BE451C3-0FF4-47C4-B829-773ADF60F88C}" type="datetimeFigureOut">
               <a:rPr lang="en-US" dirty="0"/>
-              <a:t>3/29/2018</a:t>
+              <a:t>4/25/2018</a:t>
             </a:fld>
             <a:endParaRPr lang="en-US" dirty="0"/>
           </a:p>
@@ -13984,6 +13990,144 @@
 </p:sld>
 </file>
 
+<file path=ppt/slides/slide7.xml><?xml version="1.0" encoding="utf-8"?>
+<p:sld xmlns:a="http://schemas.openxmlformats.org/drawingml/2006/main" xmlns:r="http://schemas.openxmlformats.org/officeDocument/2006/relationships" xmlns:p="http://schemas.openxmlformats.org/presentationml/2006/main">
+  <p:cSld>
+    <p:spTree>
+      <p:nvGrpSpPr>
+        <p:cNvPr id="1" name=""/>
+        <p:cNvGrpSpPr/>
+        <p:nvPr/>
+      </p:nvGrpSpPr>
+      <p:grpSpPr>
+        <a:xfrm>
+          <a:off x="0" y="0"/>
+          <a:ext cx="0" cy="0"/>
+          <a:chOff x="0" y="0"/>
+          <a:chExt cx="0" cy="0"/>
+        </a:xfrm>
+      </p:grpSpPr>
+      <p:sp>
+        <p:nvSpPr>
+          <p:cNvPr id="2" name="Title 1">
+            <a:extLst>
+              <a:ext uri="{FF2B5EF4-FFF2-40B4-BE49-F238E27FC236}">
+                <a16:creationId xmlns:a16="http://schemas.microsoft.com/office/drawing/2014/main" id="{55BA6ECE-BAF1-46E4-8438-EAEAE5934B68}"/>
+              </a:ext>
+            </a:extLst>
+          </p:cNvPr>
+          <p:cNvSpPr>
+            <a:spLocks noGrp="1"/>
+          </p:cNvSpPr>
+          <p:nvPr>
+            <p:ph type="title"/>
+          </p:nvPr>
+        </p:nvSpPr>
+        <p:spPr/>
+        <p:txBody>
+          <a:bodyPr/>
+          <a:lstStyle/>
+          <a:p>
+            <a:r>
+              <a:rPr lang="en-US" dirty="0"/>
+              <a:t>Issues</a:t>
+            </a:r>
+          </a:p>
+        </p:txBody>
+      </p:sp>
+      <p:sp>
+        <p:nvSpPr>
+          <p:cNvPr id="3" name="Content Placeholder 2">
+            <a:extLst>
+              <a:ext uri="{FF2B5EF4-FFF2-40B4-BE49-F238E27FC236}">
+                <a16:creationId xmlns:a16="http://schemas.microsoft.com/office/drawing/2014/main" id="{3938AB7C-EC3A-43D6-8F3E-AD51163C063B}"/>
+              </a:ext>
+            </a:extLst>
+          </p:cNvPr>
+          <p:cNvSpPr>
+            <a:spLocks noGrp="1"/>
+          </p:cNvSpPr>
+          <p:nvPr>
+            <p:ph idx="1"/>
+          </p:nvPr>
+        </p:nvSpPr>
+        <p:spPr/>
+        <p:txBody>
+          <a:bodyPr/>
+          <a:lstStyle/>
+          <a:p>
+            <a:r>
+              <a:rPr lang="en-US" dirty="0"/>
+              <a:t>1- </a:t>
+            </a:r>
+            <a:r>
+              <a:rPr lang="en-US" dirty="0" err="1"/>
+              <a:t>IOExceptions</a:t>
+            </a:r>
+            <a:endParaRPr lang="en-US" dirty="0"/>
+          </a:p>
+          <a:p>
+            <a:pPr lvl="1"/>
+            <a:r>
+              <a:rPr lang="en-US" dirty="0"/>
+              <a:t>Issue with catching up exception given to the recorder  </a:t>
+            </a:r>
+          </a:p>
+          <a:p>
+            <a:r>
+              <a:rPr lang="en-US" dirty="0"/>
+              <a:t>2- Recorder/ Listener / Logger </a:t>
+            </a:r>
+          </a:p>
+          <a:p>
+            <a:r>
+              <a:rPr lang="en-US" dirty="0"/>
+              <a:t>3-Import errors</a:t>
+            </a:r>
+          </a:p>
+          <a:p>
+            <a:pPr lvl="1"/>
+            <a:r>
+              <a:rPr lang="en-US" dirty="0"/>
+              <a:t>Import issues which was fixed via eclipse   </a:t>
+            </a:r>
+          </a:p>
+          <a:p>
+            <a:r>
+              <a:rPr lang="en-US" dirty="0"/>
+              <a:t>4- Jelly configuration </a:t>
+            </a:r>
+          </a:p>
+          <a:p>
+            <a:pPr lvl="1"/>
+            <a:r>
+              <a:rPr lang="en-US" dirty="0"/>
+              <a:t>Still unfixed needs to be added with the last </a:t>
+            </a:r>
+            <a:r>
+              <a:rPr lang="en-US" dirty="0" err="1"/>
+              <a:t>idiration</a:t>
+            </a:r>
+            <a:r>
+              <a:rPr lang="en-US" dirty="0"/>
+              <a:t> </a:t>
+            </a:r>
+          </a:p>
+        </p:txBody>
+      </p:sp>
+    </p:spTree>
+    <p:extLst>
+      <p:ext uri="{BB962C8B-B14F-4D97-AF65-F5344CB8AC3E}">
+        <p14:creationId xmlns:p14="http://schemas.microsoft.com/office/powerpoint/2010/main" val="1662338149"/>
+      </p:ext>
+    </p:extLst>
+  </p:cSld>
+  <p:clrMapOvr>
+    <a:masterClrMapping/>
+  </p:clrMapOvr>
+</p:sld>
+</file>
+
 <file path=ppt/theme/theme1.xml><?xml version="1.0" encoding="utf-8"?>
 <a:theme xmlns:a="http://schemas.openxmlformats.org/drawingml/2006/main" name="Ion Boardroom">
   <a:themeElements>
